--- a/ImageAssets/DiscordInstruct.pptx
+++ b/ImageAssets/DiscordInstruct.pptx
@@ -104,6 +104,11 @@
       </a:defRPr>
     </a:lvl9pPr>
   </p:defaultTextStyle>
+  <p:extLst>
+    <p:ext uri="{EFAFB233-063F-42B5-8137-9DF3F51BA10A}">
+      <p15:sldGuideLst xmlns:p15="http://schemas.microsoft.com/office/powerpoint/2012/main"/>
+    </p:ext>
+  </p:extLst>
 </p:presentation>
 </file>
 
@@ -149,10 +154,9 @@
           </a:lstStyle>
           <a:p>
             <a:r>
-              <a:rPr lang="en-US" smtClean="0"/>
+              <a:rPr lang="en-US"/>
               <a:t>Click to edit Master title style</a:t>
             </a:r>
-            <a:endParaRPr lang="en-US"/>
           </a:p>
         </p:txBody>
       </p:sp>
@@ -214,10 +218,9 @@
           </a:lstStyle>
           <a:p>
             <a:r>
-              <a:rPr lang="en-US" smtClean="0"/>
+              <a:rPr lang="en-US"/>
               <a:t>Click to edit Master subtitle style</a:t>
             </a:r>
-            <a:endParaRPr lang="en-US"/>
           </a:p>
         </p:txBody>
       </p:sp>
@@ -238,7 +241,7 @@
           <a:p>
             <a:fld id="{1219C7FA-7858-024F-994F-B798E297D74A}" type="datetimeFigureOut">
               <a:rPr lang="en-US" smtClean="0"/>
-              <a:t>1/4/18</a:t>
+              <a:t>5/26/18</a:t>
             </a:fld>
             <a:endParaRPr lang="en-US"/>
           </a:p>
@@ -332,10 +335,9 @@
           <a:lstStyle/>
           <a:p>
             <a:r>
-              <a:rPr lang="en-US" smtClean="0"/>
+              <a:rPr lang="en-US"/>
               <a:t>Click to edit Master title style</a:t>
             </a:r>
-            <a:endParaRPr lang="en-US"/>
           </a:p>
         </p:txBody>
       </p:sp>
@@ -356,38 +358,37 @@
           <a:p>
             <a:pPr lvl="0"/>
             <a:r>
-              <a:rPr lang="en-US" smtClean="0"/>
+              <a:rPr lang="en-US"/>
               <a:t>Click to edit Master text styles</a:t>
             </a:r>
           </a:p>
           <a:p>
             <a:pPr lvl="1"/>
             <a:r>
-              <a:rPr lang="en-US" smtClean="0"/>
+              <a:rPr lang="en-US"/>
               <a:t>Second level</a:t>
             </a:r>
           </a:p>
           <a:p>
             <a:pPr lvl="2"/>
             <a:r>
-              <a:rPr lang="en-US" smtClean="0"/>
+              <a:rPr lang="en-US"/>
               <a:t>Third level</a:t>
             </a:r>
           </a:p>
           <a:p>
             <a:pPr lvl="3"/>
             <a:r>
-              <a:rPr lang="en-US" smtClean="0"/>
+              <a:rPr lang="en-US"/>
               <a:t>Fourth level</a:t>
             </a:r>
           </a:p>
           <a:p>
             <a:pPr lvl="4"/>
             <a:r>
-              <a:rPr lang="en-US" smtClean="0"/>
+              <a:rPr lang="en-US"/>
               <a:t>Fifth level</a:t>
             </a:r>
-            <a:endParaRPr lang="en-US"/>
           </a:p>
         </p:txBody>
       </p:sp>
@@ -408,7 +409,7 @@
           <a:p>
             <a:fld id="{1219C7FA-7858-024F-994F-B798E297D74A}" type="datetimeFigureOut">
               <a:rPr lang="en-US" smtClean="0"/>
-              <a:t>1/4/18</a:t>
+              <a:t>5/26/18</a:t>
             </a:fld>
             <a:endParaRPr lang="en-US"/>
           </a:p>
@@ -507,10 +508,9 @@
           <a:lstStyle/>
           <a:p>
             <a:r>
-              <a:rPr lang="en-US" smtClean="0"/>
+              <a:rPr lang="en-US"/>
               <a:t>Click to edit Master title style</a:t>
             </a:r>
-            <a:endParaRPr lang="en-US"/>
           </a:p>
         </p:txBody>
       </p:sp>
@@ -536,38 +536,37 @@
           <a:p>
             <a:pPr lvl="0"/>
             <a:r>
-              <a:rPr lang="en-US" smtClean="0"/>
+              <a:rPr lang="en-US"/>
               <a:t>Click to edit Master text styles</a:t>
             </a:r>
           </a:p>
           <a:p>
             <a:pPr lvl="1"/>
             <a:r>
-              <a:rPr lang="en-US" smtClean="0"/>
+              <a:rPr lang="en-US"/>
               <a:t>Second level</a:t>
             </a:r>
           </a:p>
           <a:p>
             <a:pPr lvl="2"/>
             <a:r>
-              <a:rPr lang="en-US" smtClean="0"/>
+              <a:rPr lang="en-US"/>
               <a:t>Third level</a:t>
             </a:r>
           </a:p>
           <a:p>
             <a:pPr lvl="3"/>
             <a:r>
-              <a:rPr lang="en-US" smtClean="0"/>
+              <a:rPr lang="en-US"/>
               <a:t>Fourth level</a:t>
             </a:r>
           </a:p>
           <a:p>
             <a:pPr lvl="4"/>
             <a:r>
-              <a:rPr lang="en-US" smtClean="0"/>
+              <a:rPr lang="en-US"/>
               <a:t>Fifth level</a:t>
             </a:r>
-            <a:endParaRPr lang="en-US"/>
           </a:p>
         </p:txBody>
       </p:sp>
@@ -588,7 +587,7 @@
           <a:p>
             <a:fld id="{1219C7FA-7858-024F-994F-B798E297D74A}" type="datetimeFigureOut">
               <a:rPr lang="en-US" smtClean="0"/>
-              <a:t>1/4/18</a:t>
+              <a:t>5/26/18</a:t>
             </a:fld>
             <a:endParaRPr lang="en-US"/>
           </a:p>
@@ -682,10 +681,9 @@
           <a:lstStyle/>
           <a:p>
             <a:r>
-              <a:rPr lang="en-US" smtClean="0"/>
+              <a:rPr lang="en-US"/>
               <a:t>Click to edit Master title style</a:t>
             </a:r>
-            <a:endParaRPr lang="en-US"/>
           </a:p>
         </p:txBody>
       </p:sp>
@@ -706,38 +704,37 @@
           <a:p>
             <a:pPr lvl="0"/>
             <a:r>
-              <a:rPr lang="en-US" smtClean="0"/>
+              <a:rPr lang="en-US"/>
               <a:t>Click to edit Master text styles</a:t>
             </a:r>
           </a:p>
           <a:p>
             <a:pPr lvl="1"/>
             <a:r>
-              <a:rPr lang="en-US" smtClean="0"/>
+              <a:rPr lang="en-US"/>
               <a:t>Second level</a:t>
             </a:r>
           </a:p>
           <a:p>
             <a:pPr lvl="2"/>
             <a:r>
-              <a:rPr lang="en-US" smtClean="0"/>
+              <a:rPr lang="en-US"/>
               <a:t>Third level</a:t>
             </a:r>
           </a:p>
           <a:p>
             <a:pPr lvl="3"/>
             <a:r>
-              <a:rPr lang="en-US" smtClean="0"/>
+              <a:rPr lang="en-US"/>
               <a:t>Fourth level</a:t>
             </a:r>
           </a:p>
           <a:p>
             <a:pPr lvl="4"/>
             <a:r>
-              <a:rPr lang="en-US" smtClean="0"/>
+              <a:rPr lang="en-US"/>
               <a:t>Fifth level</a:t>
             </a:r>
-            <a:endParaRPr lang="en-US"/>
           </a:p>
         </p:txBody>
       </p:sp>
@@ -758,7 +755,7 @@
           <a:p>
             <a:fld id="{1219C7FA-7858-024F-994F-B798E297D74A}" type="datetimeFigureOut">
               <a:rPr lang="en-US" smtClean="0"/>
-              <a:t>1/4/18</a:t>
+              <a:t>5/26/18</a:t>
             </a:fld>
             <a:endParaRPr lang="en-US"/>
           </a:p>
@@ -861,10 +858,9 @@
           </a:lstStyle>
           <a:p>
             <a:r>
-              <a:rPr lang="en-US" smtClean="0"/>
+              <a:rPr lang="en-US"/>
               <a:t>Click to edit Master title style</a:t>
             </a:r>
-            <a:endParaRPr lang="en-US"/>
           </a:p>
         </p:txBody>
       </p:sp>
@@ -981,7 +977,7 @@
           <a:p>
             <a:pPr lvl="0"/>
             <a:r>
-              <a:rPr lang="en-US" smtClean="0"/>
+              <a:rPr lang="en-US"/>
               <a:t>Click to edit Master text styles</a:t>
             </a:r>
           </a:p>
@@ -1004,7 +1000,7 @@
           <a:p>
             <a:fld id="{1219C7FA-7858-024F-994F-B798E297D74A}" type="datetimeFigureOut">
               <a:rPr lang="en-US" smtClean="0"/>
-              <a:t>1/4/18</a:t>
+              <a:t>5/26/18</a:t>
             </a:fld>
             <a:endParaRPr lang="en-US"/>
           </a:p>
@@ -1098,10 +1094,9 @@
           <a:lstStyle/>
           <a:p>
             <a:r>
-              <a:rPr lang="en-US" smtClean="0"/>
+              <a:rPr lang="en-US"/>
               <a:t>Click to edit Master title style</a:t>
             </a:r>
-            <a:endParaRPr lang="en-US"/>
           </a:p>
         </p:txBody>
       </p:sp>
@@ -1127,38 +1122,37 @@
           <a:p>
             <a:pPr lvl="0"/>
             <a:r>
-              <a:rPr lang="en-US" smtClean="0"/>
+              <a:rPr lang="en-US"/>
               <a:t>Click to edit Master text styles</a:t>
             </a:r>
           </a:p>
           <a:p>
             <a:pPr lvl="1"/>
             <a:r>
-              <a:rPr lang="en-US" smtClean="0"/>
+              <a:rPr lang="en-US"/>
               <a:t>Second level</a:t>
             </a:r>
           </a:p>
           <a:p>
             <a:pPr lvl="2"/>
             <a:r>
-              <a:rPr lang="en-US" smtClean="0"/>
+              <a:rPr lang="en-US"/>
               <a:t>Third level</a:t>
             </a:r>
           </a:p>
           <a:p>
             <a:pPr lvl="3"/>
             <a:r>
-              <a:rPr lang="en-US" smtClean="0"/>
+              <a:rPr lang="en-US"/>
               <a:t>Fourth level</a:t>
             </a:r>
           </a:p>
           <a:p>
             <a:pPr lvl="4"/>
             <a:r>
-              <a:rPr lang="en-US" smtClean="0"/>
+              <a:rPr lang="en-US"/>
               <a:t>Fifth level</a:t>
             </a:r>
-            <a:endParaRPr lang="en-US"/>
           </a:p>
         </p:txBody>
       </p:sp>
@@ -1184,38 +1178,37 @@
           <a:p>
             <a:pPr lvl="0"/>
             <a:r>
-              <a:rPr lang="en-US" smtClean="0"/>
+              <a:rPr lang="en-US"/>
               <a:t>Click to edit Master text styles</a:t>
             </a:r>
           </a:p>
           <a:p>
             <a:pPr lvl="1"/>
             <a:r>
-              <a:rPr lang="en-US" smtClean="0"/>
+              <a:rPr lang="en-US"/>
               <a:t>Second level</a:t>
             </a:r>
           </a:p>
           <a:p>
             <a:pPr lvl="2"/>
             <a:r>
-              <a:rPr lang="en-US" smtClean="0"/>
+              <a:rPr lang="en-US"/>
               <a:t>Third level</a:t>
             </a:r>
           </a:p>
           <a:p>
             <a:pPr lvl="3"/>
             <a:r>
-              <a:rPr lang="en-US" smtClean="0"/>
+              <a:rPr lang="en-US"/>
               <a:t>Fourth level</a:t>
             </a:r>
           </a:p>
           <a:p>
             <a:pPr lvl="4"/>
             <a:r>
-              <a:rPr lang="en-US" smtClean="0"/>
+              <a:rPr lang="en-US"/>
               <a:t>Fifth level</a:t>
             </a:r>
-            <a:endParaRPr lang="en-US"/>
           </a:p>
         </p:txBody>
       </p:sp>
@@ -1236,7 +1229,7 @@
           <a:p>
             <a:fld id="{1219C7FA-7858-024F-994F-B798E297D74A}" type="datetimeFigureOut">
               <a:rPr lang="en-US" smtClean="0"/>
-              <a:t>1/4/18</a:t>
+              <a:t>5/26/18</a:t>
             </a:fld>
             <a:endParaRPr lang="en-US"/>
           </a:p>
@@ -1335,10 +1328,9 @@
           <a:lstStyle/>
           <a:p>
             <a:r>
-              <a:rPr lang="en-US" smtClean="0"/>
+              <a:rPr lang="en-US"/>
               <a:t>Click to edit Master title style</a:t>
             </a:r>
-            <a:endParaRPr lang="en-US"/>
           </a:p>
         </p:txBody>
       </p:sp>
@@ -1401,7 +1393,7 @@
           <a:p>
             <a:pPr lvl="0"/>
             <a:r>
-              <a:rPr lang="en-US" smtClean="0"/>
+              <a:rPr lang="en-US"/>
               <a:t>Click to edit Master text styles</a:t>
             </a:r>
           </a:p>
@@ -1429,38 +1421,37 @@
           <a:p>
             <a:pPr lvl="0"/>
             <a:r>
-              <a:rPr lang="en-US" smtClean="0"/>
+              <a:rPr lang="en-US"/>
               <a:t>Click to edit Master text styles</a:t>
             </a:r>
           </a:p>
           <a:p>
             <a:pPr lvl="1"/>
             <a:r>
-              <a:rPr lang="en-US" smtClean="0"/>
+              <a:rPr lang="en-US"/>
               <a:t>Second level</a:t>
             </a:r>
           </a:p>
           <a:p>
             <a:pPr lvl="2"/>
             <a:r>
-              <a:rPr lang="en-US" smtClean="0"/>
+              <a:rPr lang="en-US"/>
               <a:t>Third level</a:t>
             </a:r>
           </a:p>
           <a:p>
             <a:pPr lvl="3"/>
             <a:r>
-              <a:rPr lang="en-US" smtClean="0"/>
+              <a:rPr lang="en-US"/>
               <a:t>Fourth level</a:t>
             </a:r>
           </a:p>
           <a:p>
             <a:pPr lvl="4"/>
             <a:r>
-              <a:rPr lang="en-US" smtClean="0"/>
+              <a:rPr lang="en-US"/>
               <a:t>Fifth level</a:t>
             </a:r>
-            <a:endParaRPr lang="en-US"/>
           </a:p>
         </p:txBody>
       </p:sp>
@@ -1523,7 +1514,7 @@
           <a:p>
             <a:pPr lvl="0"/>
             <a:r>
-              <a:rPr lang="en-US" smtClean="0"/>
+              <a:rPr lang="en-US"/>
               <a:t>Click to edit Master text styles</a:t>
             </a:r>
           </a:p>
@@ -1551,38 +1542,37 @@
           <a:p>
             <a:pPr lvl="0"/>
             <a:r>
-              <a:rPr lang="en-US" smtClean="0"/>
+              <a:rPr lang="en-US"/>
               <a:t>Click to edit Master text styles</a:t>
             </a:r>
           </a:p>
           <a:p>
             <a:pPr lvl="1"/>
             <a:r>
-              <a:rPr lang="en-US" smtClean="0"/>
+              <a:rPr lang="en-US"/>
               <a:t>Second level</a:t>
             </a:r>
           </a:p>
           <a:p>
             <a:pPr lvl="2"/>
             <a:r>
-              <a:rPr lang="en-US" smtClean="0"/>
+              <a:rPr lang="en-US"/>
               <a:t>Third level</a:t>
             </a:r>
           </a:p>
           <a:p>
             <a:pPr lvl="3"/>
             <a:r>
-              <a:rPr lang="en-US" smtClean="0"/>
+              <a:rPr lang="en-US"/>
               <a:t>Fourth level</a:t>
             </a:r>
           </a:p>
           <a:p>
             <a:pPr lvl="4"/>
             <a:r>
-              <a:rPr lang="en-US" smtClean="0"/>
+              <a:rPr lang="en-US"/>
               <a:t>Fifth level</a:t>
             </a:r>
-            <a:endParaRPr lang="en-US"/>
           </a:p>
         </p:txBody>
       </p:sp>
@@ -1603,7 +1593,7 @@
           <a:p>
             <a:fld id="{1219C7FA-7858-024F-994F-B798E297D74A}" type="datetimeFigureOut">
               <a:rPr lang="en-US" smtClean="0"/>
-              <a:t>1/4/18</a:t>
+              <a:t>5/26/18</a:t>
             </a:fld>
             <a:endParaRPr lang="en-US"/>
           </a:p>
@@ -1697,10 +1687,9 @@
           <a:lstStyle/>
           <a:p>
             <a:r>
-              <a:rPr lang="en-US" smtClean="0"/>
+              <a:rPr lang="en-US"/>
               <a:t>Click to edit Master title style</a:t>
             </a:r>
-            <a:endParaRPr lang="en-US"/>
           </a:p>
         </p:txBody>
       </p:sp>
@@ -1721,7 +1710,7 @@
           <a:p>
             <a:fld id="{1219C7FA-7858-024F-994F-B798E297D74A}" type="datetimeFigureOut">
               <a:rPr lang="en-US" smtClean="0"/>
-              <a:t>1/4/18</a:t>
+              <a:t>5/26/18</a:t>
             </a:fld>
             <a:endParaRPr lang="en-US"/>
           </a:p>
@@ -1816,7 +1805,7 @@
           <a:p>
             <a:fld id="{1219C7FA-7858-024F-994F-B798E297D74A}" type="datetimeFigureOut">
               <a:rPr lang="en-US" smtClean="0"/>
-              <a:t>1/4/18</a:t>
+              <a:t>5/26/18</a:t>
             </a:fld>
             <a:endParaRPr lang="en-US"/>
           </a:p>
@@ -1919,10 +1908,9 @@
           </a:lstStyle>
           <a:p>
             <a:r>
-              <a:rPr lang="en-US" smtClean="0"/>
+              <a:rPr lang="en-US"/>
               <a:t>Click to edit Master title style</a:t>
             </a:r>
-            <a:endParaRPr lang="en-US"/>
           </a:p>
         </p:txBody>
       </p:sp>
@@ -1976,38 +1964,37 @@
           <a:p>
             <a:pPr lvl="0"/>
             <a:r>
-              <a:rPr lang="en-US" smtClean="0"/>
+              <a:rPr lang="en-US"/>
               <a:t>Click to edit Master text styles</a:t>
             </a:r>
           </a:p>
           <a:p>
             <a:pPr lvl="1"/>
             <a:r>
-              <a:rPr lang="en-US" smtClean="0"/>
+              <a:rPr lang="en-US"/>
               <a:t>Second level</a:t>
             </a:r>
           </a:p>
           <a:p>
             <a:pPr lvl="2"/>
             <a:r>
-              <a:rPr lang="en-US" smtClean="0"/>
+              <a:rPr lang="en-US"/>
               <a:t>Third level</a:t>
             </a:r>
           </a:p>
           <a:p>
             <a:pPr lvl="3"/>
             <a:r>
-              <a:rPr lang="en-US" smtClean="0"/>
+              <a:rPr lang="en-US"/>
               <a:t>Fourth level</a:t>
             </a:r>
           </a:p>
           <a:p>
             <a:pPr lvl="4"/>
             <a:r>
-              <a:rPr lang="en-US" smtClean="0"/>
+              <a:rPr lang="en-US"/>
               <a:t>Fifth level</a:t>
             </a:r>
-            <a:endParaRPr lang="en-US"/>
           </a:p>
         </p:txBody>
       </p:sp>
@@ -2070,7 +2057,7 @@
           <a:p>
             <a:pPr lvl="0"/>
             <a:r>
-              <a:rPr lang="en-US" smtClean="0"/>
+              <a:rPr lang="en-US"/>
               <a:t>Click to edit Master text styles</a:t>
             </a:r>
           </a:p>
@@ -2093,7 +2080,7 @@
           <a:p>
             <a:fld id="{1219C7FA-7858-024F-994F-B798E297D74A}" type="datetimeFigureOut">
               <a:rPr lang="en-US" smtClean="0"/>
-              <a:t>1/4/18</a:t>
+              <a:t>5/26/18</a:t>
             </a:fld>
             <a:endParaRPr lang="en-US"/>
           </a:p>
@@ -2196,10 +2183,9 @@
           </a:lstStyle>
           <a:p>
             <a:r>
-              <a:rPr lang="en-US" smtClean="0"/>
+              <a:rPr lang="en-US"/>
               <a:t>Click to edit Master title style</a:t>
             </a:r>
-            <a:endParaRPr lang="en-US"/>
           </a:p>
         </p:txBody>
       </p:sp>
@@ -2323,7 +2309,7 @@
           <a:p>
             <a:pPr lvl="0"/>
             <a:r>
-              <a:rPr lang="en-US" smtClean="0"/>
+              <a:rPr lang="en-US"/>
               <a:t>Click to edit Master text styles</a:t>
             </a:r>
           </a:p>
@@ -2346,7 +2332,7 @@
           <a:p>
             <a:fld id="{1219C7FA-7858-024F-994F-B798E297D74A}" type="datetimeFigureOut">
               <a:rPr lang="en-US" smtClean="0"/>
-              <a:t>1/4/18</a:t>
+              <a:t>5/26/18</a:t>
             </a:fld>
             <a:endParaRPr lang="en-US"/>
           </a:p>
@@ -2455,10 +2441,9 @@
           <a:lstStyle/>
           <a:p>
             <a:r>
-              <a:rPr lang="en-US" smtClean="0"/>
+              <a:rPr lang="en-US"/>
               <a:t>Click to edit Master title style</a:t>
             </a:r>
-            <a:endParaRPr lang="en-US"/>
           </a:p>
         </p:txBody>
       </p:sp>
@@ -2489,38 +2474,37 @@
           <a:p>
             <a:pPr lvl="0"/>
             <a:r>
-              <a:rPr lang="en-US" smtClean="0"/>
+              <a:rPr lang="en-US"/>
               <a:t>Click to edit Master text styles</a:t>
             </a:r>
           </a:p>
           <a:p>
             <a:pPr lvl="1"/>
             <a:r>
-              <a:rPr lang="en-US" smtClean="0"/>
+              <a:rPr lang="en-US"/>
               <a:t>Second level</a:t>
             </a:r>
           </a:p>
           <a:p>
             <a:pPr lvl="2"/>
             <a:r>
-              <a:rPr lang="en-US" smtClean="0"/>
+              <a:rPr lang="en-US"/>
               <a:t>Third level</a:t>
             </a:r>
           </a:p>
           <a:p>
             <a:pPr lvl="3"/>
             <a:r>
-              <a:rPr lang="en-US" smtClean="0"/>
+              <a:rPr lang="en-US"/>
               <a:t>Fourth level</a:t>
             </a:r>
           </a:p>
           <a:p>
             <a:pPr lvl="4"/>
             <a:r>
-              <a:rPr lang="en-US" smtClean="0"/>
+              <a:rPr lang="en-US"/>
               <a:t>Fifth level</a:t>
             </a:r>
-            <a:endParaRPr lang="en-US"/>
           </a:p>
         </p:txBody>
       </p:sp>
@@ -2559,7 +2543,7 @@
           <a:p>
             <a:fld id="{1219C7FA-7858-024F-994F-B798E297D74A}" type="datetimeFigureOut">
               <a:rPr lang="en-US" smtClean="0"/>
-              <a:t>1/4/18</a:t>
+              <a:t>5/26/18</a:t>
             </a:fld>
             <a:endParaRPr lang="en-US"/>
           </a:p>
@@ -2964,102 +2948,366 @@
           <a:chExt cx="0" cy="0"/>
         </a:xfrm>
       </p:grpSpPr>
-      <p:pic>
-        <p:nvPicPr>
-          <p:cNvPr id="8" name="Picture 7"/>
-          <p:cNvPicPr>
-            <a:picLocks noChangeAspect="1"/>
-          </p:cNvPicPr>
+      <p:grpSp>
+        <p:nvGrpSpPr>
+          <p:cNvPr id="21" name="Group 20">
+            <a:extLst>
+              <a:ext uri="{FF2B5EF4-FFF2-40B4-BE49-F238E27FC236}">
+                <a16:creationId xmlns:a16="http://schemas.microsoft.com/office/drawing/2014/main" id="{3970149D-71FE-9042-9FF9-A1FCDAA459B9}"/>
+              </a:ext>
+            </a:extLst>
+          </p:cNvPr>
+          <p:cNvGrpSpPr/>
           <p:nvPr/>
-        </p:nvPicPr>
-        <p:blipFill>
-          <a:blip r:embed="rId2"/>
-          <a:stretch>
-            <a:fillRect/>
-          </a:stretch>
-        </p:blipFill>
-        <p:spPr>
+        </p:nvGrpSpPr>
+        <p:grpSpPr>
           <a:xfrm>
-            <a:off x="4237851" y="-1982387"/>
-            <a:ext cx="5179417" cy="9558025"/>
+            <a:off x="622406" y="1182306"/>
+            <a:ext cx="8488849" cy="2240028"/>
+            <a:chOff x="0" y="183381"/>
+            <a:chExt cx="8488849" cy="2240028"/>
           </a:xfrm>
-          <a:prstGeom prst="rect">
-            <a:avLst/>
-          </a:prstGeom>
-        </p:spPr>
-      </p:pic>
-      <p:cxnSp>
-        <p:nvCxnSpPr>
-          <p:cNvPr id="10" name="Straight Arrow Connector 9"/>
-          <p:cNvCxnSpPr/>
-          <p:nvPr/>
-        </p:nvCxnSpPr>
-        <p:spPr>
-          <a:xfrm>
-            <a:off x="4698124" y="1860331"/>
-            <a:ext cx="571592" cy="3617612"/>
-          </a:xfrm>
-          <a:prstGeom prst="straightConnector1">
-            <a:avLst/>
-          </a:prstGeom>
-          <a:ln w="57150">
-            <a:solidFill>
-              <a:srgbClr val="FF0000"/>
-            </a:solidFill>
-            <a:tailEnd type="triangle"/>
-          </a:ln>
-        </p:spPr>
-        <p:style>
-          <a:lnRef idx="1">
-            <a:schemeClr val="accent1"/>
-          </a:lnRef>
-          <a:fillRef idx="0">
-            <a:schemeClr val="accent1"/>
-          </a:fillRef>
-          <a:effectRef idx="0">
-            <a:schemeClr val="accent1"/>
-          </a:effectRef>
-          <a:fontRef idx="minor">
-            <a:schemeClr val="tx1"/>
-          </a:fontRef>
-        </p:style>
-      </p:cxnSp>
-      <p:cxnSp>
-        <p:nvCxnSpPr>
-          <p:cNvPr id="11" name="Straight Arrow Connector 10"/>
-          <p:cNvCxnSpPr/>
-          <p:nvPr/>
-        </p:nvCxnSpPr>
-        <p:spPr>
-          <a:xfrm flipH="1">
-            <a:off x="6471464" y="6127531"/>
-            <a:ext cx="896288" cy="1231745"/>
-          </a:xfrm>
-          <a:prstGeom prst="straightConnector1">
-            <a:avLst/>
-          </a:prstGeom>
-          <a:ln w="57150">
-            <a:solidFill>
-              <a:srgbClr val="FF0000"/>
-            </a:solidFill>
-            <a:tailEnd type="triangle"/>
-          </a:ln>
-        </p:spPr>
-        <p:style>
-          <a:lnRef idx="1">
-            <a:schemeClr val="accent1"/>
-          </a:lnRef>
-          <a:fillRef idx="0">
-            <a:schemeClr val="accent1"/>
-          </a:fillRef>
-          <a:effectRef idx="0">
-            <a:schemeClr val="accent1"/>
-          </a:effectRef>
-          <a:fontRef idx="minor">
-            <a:schemeClr val="tx1"/>
-          </a:fontRef>
-        </p:style>
-      </p:cxnSp>
+        </p:grpSpPr>
+        <p:pic>
+          <p:nvPicPr>
+            <p:cNvPr id="8" name="Picture 7"/>
+            <p:cNvPicPr>
+              <a:picLocks noChangeAspect="1"/>
+            </p:cNvPicPr>
+            <p:nvPr/>
+          </p:nvPicPr>
+          <p:blipFill rotWithShape="1">
+            <a:blip r:embed="rId2"/>
+            <a:srcRect t="39435" b="19236"/>
+            <a:stretch/>
+          </p:blipFill>
+          <p:spPr>
+            <a:xfrm>
+              <a:off x="3341926" y="504052"/>
+              <a:ext cx="2516614" cy="1919357"/>
+            </a:xfrm>
+            <a:prstGeom prst="rect">
+              <a:avLst/>
+            </a:prstGeom>
+          </p:spPr>
+        </p:pic>
+        <p:pic>
+          <p:nvPicPr>
+            <p:cNvPr id="3" name="Picture 2">
+              <a:extLst>
+                <a:ext uri="{FF2B5EF4-FFF2-40B4-BE49-F238E27FC236}">
+                  <a16:creationId xmlns:a16="http://schemas.microsoft.com/office/drawing/2014/main" id="{99651BE8-5184-A548-B873-705908A4317D}"/>
+                </a:ext>
+              </a:extLst>
+            </p:cNvPr>
+            <p:cNvPicPr>
+              <a:picLocks noChangeAspect="1"/>
+            </p:cNvPicPr>
+            <p:nvPr/>
+          </p:nvPicPr>
+          <p:blipFill rotWithShape="1">
+            <a:blip r:embed="rId3"/>
+            <a:srcRect b="87846"/>
+            <a:stretch/>
+          </p:blipFill>
+          <p:spPr>
+            <a:xfrm>
+              <a:off x="6008061" y="839078"/>
+              <a:ext cx="2189321" cy="833543"/>
+            </a:xfrm>
+            <a:prstGeom prst="rect">
+              <a:avLst/>
+            </a:prstGeom>
+          </p:spPr>
+        </p:pic>
+        <p:pic>
+          <p:nvPicPr>
+            <p:cNvPr id="7" name="Picture 6">
+              <a:extLst>
+                <a:ext uri="{FF2B5EF4-FFF2-40B4-BE49-F238E27FC236}">
+                  <a16:creationId xmlns:a16="http://schemas.microsoft.com/office/drawing/2014/main" id="{3D222B20-7718-8745-A9DB-FFC6ABBEB187}"/>
+                </a:ext>
+              </a:extLst>
+            </p:cNvPr>
+            <p:cNvPicPr>
+              <a:picLocks noChangeAspect="1"/>
+            </p:cNvPicPr>
+            <p:nvPr/>
+          </p:nvPicPr>
+          <p:blipFill rotWithShape="1">
+            <a:blip r:embed="rId3"/>
+            <a:srcRect t="89098"/>
+            <a:stretch/>
+          </p:blipFill>
+          <p:spPr>
+            <a:xfrm>
+              <a:off x="6008061" y="1672621"/>
+              <a:ext cx="2189321" cy="747682"/>
+            </a:xfrm>
+            <a:prstGeom prst="rect">
+              <a:avLst/>
+            </a:prstGeom>
+          </p:spPr>
+        </p:pic>
+        <p:pic>
+          <p:nvPicPr>
+            <p:cNvPr id="9" name="Picture 8">
+              <a:extLst>
+                <a:ext uri="{FF2B5EF4-FFF2-40B4-BE49-F238E27FC236}">
+                  <a16:creationId xmlns:a16="http://schemas.microsoft.com/office/drawing/2014/main" id="{7124B1F1-00B7-A546-B1C7-232090E5EB06}"/>
+                </a:ext>
+              </a:extLst>
+            </p:cNvPr>
+            <p:cNvPicPr>
+              <a:picLocks noChangeAspect="1"/>
+            </p:cNvPicPr>
+            <p:nvPr/>
+          </p:nvPicPr>
+          <p:blipFill rotWithShape="1">
+            <a:blip r:embed="rId2"/>
+            <a:srcRect t="3783" b="63690"/>
+            <a:stretch/>
+          </p:blipFill>
+          <p:spPr>
+            <a:xfrm>
+              <a:off x="0" y="504052"/>
+              <a:ext cx="3192405" cy="1916250"/>
+            </a:xfrm>
+            <a:prstGeom prst="rect">
+              <a:avLst/>
+            </a:prstGeom>
+          </p:spPr>
+        </p:pic>
+        <p:sp>
+          <p:nvSpPr>
+            <p:cNvPr id="4" name="TextBox 3">
+              <a:extLst>
+                <a:ext uri="{FF2B5EF4-FFF2-40B4-BE49-F238E27FC236}">
+                  <a16:creationId xmlns:a16="http://schemas.microsoft.com/office/drawing/2014/main" id="{4BE17556-3430-6741-88CF-859F79A7C15F}"/>
+                </a:ext>
+              </a:extLst>
+            </p:cNvPr>
+            <p:cNvSpPr txBox="1"/>
+            <p:nvPr/>
+          </p:nvSpPr>
+          <p:spPr>
+            <a:xfrm>
+              <a:off x="31570" y="196275"/>
+              <a:ext cx="3160835" cy="307777"/>
+            </a:xfrm>
+            <a:prstGeom prst="rect">
+              <a:avLst/>
+            </a:prstGeom>
+            <a:noFill/>
+          </p:spPr>
+          <p:txBody>
+            <a:bodyPr wrap="square" rtlCol="0">
+              <a:spAutoFit/>
+            </a:bodyPr>
+            <a:lstStyle/>
+            <a:p>
+              <a:pPr algn="ctr"/>
+              <a:r>
+                <a:rPr lang="en-US" sz="1400" dirty="0"/>
+                <a:t>1. Follow the link (discord.gg/zmAAx2W) </a:t>
+              </a:r>
+            </a:p>
+          </p:txBody>
+        </p:sp>
+        <p:sp>
+          <p:nvSpPr>
+            <p:cNvPr id="13" name="TextBox 12">
+              <a:extLst>
+                <a:ext uri="{FF2B5EF4-FFF2-40B4-BE49-F238E27FC236}">
+                  <a16:creationId xmlns:a16="http://schemas.microsoft.com/office/drawing/2014/main" id="{8D2B86B7-25DB-2A49-8B6C-6EAF0B66798E}"/>
+                </a:ext>
+              </a:extLst>
+            </p:cNvPr>
+            <p:cNvSpPr txBox="1"/>
+            <p:nvPr/>
+          </p:nvSpPr>
+          <p:spPr>
+            <a:xfrm>
+              <a:off x="3310629" y="196275"/>
+              <a:ext cx="2547911" cy="307777"/>
+            </a:xfrm>
+            <a:prstGeom prst="rect">
+              <a:avLst/>
+            </a:prstGeom>
+            <a:noFill/>
+          </p:spPr>
+          <p:txBody>
+            <a:bodyPr wrap="square" rtlCol="0">
+              <a:spAutoFit/>
+            </a:bodyPr>
+            <a:lstStyle/>
+            <a:p>
+              <a:pPr algn="ctr"/>
+              <a:r>
+                <a:rPr lang="en-US" sz="1400" dirty="0"/>
+                <a:t>2. Skip setup (optional)</a:t>
+              </a:r>
+            </a:p>
+          </p:txBody>
+        </p:sp>
+        <p:sp>
+          <p:nvSpPr>
+            <p:cNvPr id="14" name="TextBox 13">
+              <a:extLst>
+                <a:ext uri="{FF2B5EF4-FFF2-40B4-BE49-F238E27FC236}">
+                  <a16:creationId xmlns:a16="http://schemas.microsoft.com/office/drawing/2014/main" id="{573F5BE3-9DA5-3B4A-90B9-B7D316C17BAB}"/>
+                </a:ext>
+              </a:extLst>
+            </p:cNvPr>
+            <p:cNvSpPr txBox="1"/>
+            <p:nvPr/>
+          </p:nvSpPr>
+          <p:spPr>
+            <a:xfrm>
+              <a:off x="5799477" y="183381"/>
+              <a:ext cx="2689372" cy="523220"/>
+            </a:xfrm>
+            <a:prstGeom prst="rect">
+              <a:avLst/>
+            </a:prstGeom>
+            <a:noFill/>
+          </p:spPr>
+          <p:txBody>
+            <a:bodyPr wrap="square" rtlCol="0">
+              <a:spAutoFit/>
+            </a:bodyPr>
+            <a:lstStyle/>
+            <a:p>
+              <a:pPr algn="ctr"/>
+              <a:r>
+                <a:rPr lang="en-US" sz="1400" dirty="0"/>
+                <a:t>3. Click “Presentation” to hear speaker. Mute mic if not speaking.</a:t>
+              </a:r>
+            </a:p>
+          </p:txBody>
+        </p:sp>
+        <p:cxnSp>
+          <p:nvCxnSpPr>
+            <p:cNvPr id="10" name="Straight Arrow Connector 9"/>
+            <p:cNvCxnSpPr>
+              <a:cxnSpLocks/>
+            </p:cNvCxnSpPr>
+            <p:nvPr/>
+          </p:nvCxnSpPr>
+          <p:spPr>
+            <a:xfrm flipH="1">
+              <a:off x="7144163" y="954846"/>
+              <a:ext cx="358512" cy="460057"/>
+            </a:xfrm>
+            <a:prstGeom prst="straightConnector1">
+              <a:avLst/>
+            </a:prstGeom>
+            <a:ln w="57150">
+              <a:solidFill>
+                <a:srgbClr val="FF0000"/>
+              </a:solidFill>
+              <a:tailEnd type="triangle"/>
+            </a:ln>
+          </p:spPr>
+          <p:style>
+            <a:lnRef idx="1">
+              <a:schemeClr val="accent1"/>
+            </a:lnRef>
+            <a:fillRef idx="0">
+              <a:schemeClr val="accent1"/>
+            </a:fillRef>
+            <a:effectRef idx="0">
+              <a:schemeClr val="accent1"/>
+            </a:effectRef>
+            <a:fontRef idx="minor">
+              <a:schemeClr val="tx1"/>
+            </a:fontRef>
+          </p:style>
+        </p:cxnSp>
+        <p:cxnSp>
+          <p:nvCxnSpPr>
+            <p:cNvPr id="11" name="Straight Arrow Connector 10"/>
+            <p:cNvCxnSpPr>
+              <a:cxnSpLocks/>
+            </p:cNvCxnSpPr>
+            <p:nvPr/>
+          </p:nvCxnSpPr>
+          <p:spPr>
+            <a:xfrm flipH="1">
+              <a:off x="7401885" y="964319"/>
+              <a:ext cx="100790" cy="1082143"/>
+            </a:xfrm>
+            <a:prstGeom prst="straightConnector1">
+              <a:avLst/>
+            </a:prstGeom>
+            <a:ln w="57150">
+              <a:solidFill>
+                <a:srgbClr val="FF0000"/>
+              </a:solidFill>
+              <a:tailEnd type="triangle"/>
+            </a:ln>
+          </p:spPr>
+          <p:style>
+            <a:lnRef idx="1">
+              <a:schemeClr val="accent1"/>
+            </a:lnRef>
+            <a:fillRef idx="0">
+              <a:schemeClr val="accent1"/>
+            </a:fillRef>
+            <a:effectRef idx="0">
+              <a:schemeClr val="accent1"/>
+            </a:effectRef>
+            <a:fontRef idx="minor">
+              <a:schemeClr val="tx1"/>
+            </a:fontRef>
+          </p:style>
+        </p:cxnSp>
+        <p:cxnSp>
+          <p:nvCxnSpPr>
+            <p:cNvPr id="17" name="Straight Arrow Connector 16">
+              <a:extLst>
+                <a:ext uri="{FF2B5EF4-FFF2-40B4-BE49-F238E27FC236}">
+                  <a16:creationId xmlns:a16="http://schemas.microsoft.com/office/drawing/2014/main" id="{1026AB75-20DA-2049-B382-6AD03E7542FD}"/>
+                </a:ext>
+              </a:extLst>
+            </p:cNvPr>
+            <p:cNvCxnSpPr>
+              <a:cxnSpLocks/>
+            </p:cNvCxnSpPr>
+            <p:nvPr/>
+          </p:nvCxnSpPr>
+          <p:spPr>
+            <a:xfrm>
+              <a:off x="7340616" y="2115795"/>
+              <a:ext cx="108315" cy="114238"/>
+            </a:xfrm>
+            <a:prstGeom prst="straightConnector1">
+              <a:avLst/>
+            </a:prstGeom>
+            <a:ln w="19050">
+              <a:solidFill>
+                <a:srgbClr val="FF0000"/>
+              </a:solidFill>
+              <a:headEnd type="none" w="med" len="med"/>
+              <a:tailEnd type="none" w="med" len="med"/>
+            </a:ln>
+          </p:spPr>
+          <p:style>
+            <a:lnRef idx="1">
+              <a:schemeClr val="accent2"/>
+            </a:lnRef>
+            <a:fillRef idx="0">
+              <a:schemeClr val="accent2"/>
+            </a:fillRef>
+            <a:effectRef idx="0">
+              <a:schemeClr val="accent2"/>
+            </a:effectRef>
+            <a:fontRef idx="minor">
+              <a:schemeClr val="tx1"/>
+            </a:fontRef>
+          </p:style>
+        </p:cxnSp>
+      </p:grpSp>
     </p:spTree>
     <p:extLst>
       <p:ext uri="{BB962C8B-B14F-4D97-AF65-F5344CB8AC3E}">

--- a/ImageAssets/DiscordInstruct.pptx
+++ b/ImageAssets/DiscordInstruct.pptx
@@ -2948,366 +2948,389 @@
           <a:chExt cx="0" cy="0"/>
         </a:xfrm>
       </p:grpSpPr>
-      <p:grpSp>
-        <p:nvGrpSpPr>
-          <p:cNvPr id="21" name="Group 20">
+      <p:pic>
+        <p:nvPicPr>
+          <p:cNvPr id="8" name="Picture 7"/>
+          <p:cNvPicPr>
+            <a:picLocks noChangeAspect="1"/>
+          </p:cNvPicPr>
+          <p:nvPr/>
+        </p:nvPicPr>
+        <p:blipFill rotWithShape="1">
+          <a:blip r:embed="rId2"/>
+          <a:srcRect t="39435" b="19236"/>
+          <a:stretch/>
+        </p:blipFill>
+        <p:spPr>
+          <a:xfrm>
+            <a:off x="3964332" y="1502977"/>
+            <a:ext cx="2516614" cy="1919357"/>
+          </a:xfrm>
+          <a:prstGeom prst="rect">
+            <a:avLst/>
+          </a:prstGeom>
+        </p:spPr>
+      </p:pic>
+      <p:pic>
+        <p:nvPicPr>
+          <p:cNvPr id="3" name="Picture 2">
             <a:extLst>
               <a:ext uri="{FF2B5EF4-FFF2-40B4-BE49-F238E27FC236}">
-                <a16:creationId xmlns:a16="http://schemas.microsoft.com/office/drawing/2014/main" id="{3970149D-71FE-9042-9FF9-A1FCDAA459B9}"/>
+                <a16:creationId xmlns:a16="http://schemas.microsoft.com/office/drawing/2014/main" id="{99651BE8-5184-A548-B873-705908A4317D}"/>
               </a:ext>
             </a:extLst>
           </p:cNvPr>
-          <p:cNvGrpSpPr/>
+          <p:cNvPicPr>
+            <a:picLocks noChangeAspect="1"/>
+          </p:cNvPicPr>
           <p:nvPr/>
-        </p:nvGrpSpPr>
-        <p:grpSpPr>
+        </p:nvPicPr>
+        <p:blipFill rotWithShape="1">
+          <a:blip r:embed="rId3"/>
+          <a:srcRect b="87846"/>
+          <a:stretch/>
+        </p:blipFill>
+        <p:spPr>
           <a:xfrm>
-            <a:off x="622406" y="1182306"/>
-            <a:ext cx="8488849" cy="2240028"/>
-            <a:chOff x="0" y="183381"/>
-            <a:chExt cx="8488849" cy="2240028"/>
+            <a:off x="6630467" y="1838003"/>
+            <a:ext cx="2189321" cy="833543"/>
           </a:xfrm>
-        </p:grpSpPr>
-        <p:pic>
-          <p:nvPicPr>
-            <p:cNvPr id="8" name="Picture 7"/>
-            <p:cNvPicPr>
-              <a:picLocks noChangeAspect="1"/>
-            </p:cNvPicPr>
-            <p:nvPr/>
-          </p:nvPicPr>
-          <p:blipFill rotWithShape="1">
-            <a:blip r:embed="rId2"/>
-            <a:srcRect t="39435" b="19236"/>
-            <a:stretch/>
-          </p:blipFill>
-          <p:spPr>
-            <a:xfrm>
-              <a:off x="3341926" y="504052"/>
-              <a:ext cx="2516614" cy="1919357"/>
-            </a:xfrm>
-            <a:prstGeom prst="rect">
-              <a:avLst/>
-            </a:prstGeom>
-          </p:spPr>
-        </p:pic>
-        <p:pic>
-          <p:nvPicPr>
-            <p:cNvPr id="3" name="Picture 2">
-              <a:extLst>
-                <a:ext uri="{FF2B5EF4-FFF2-40B4-BE49-F238E27FC236}">
-                  <a16:creationId xmlns:a16="http://schemas.microsoft.com/office/drawing/2014/main" id="{99651BE8-5184-A548-B873-705908A4317D}"/>
-                </a:ext>
-              </a:extLst>
-            </p:cNvPr>
-            <p:cNvPicPr>
-              <a:picLocks noChangeAspect="1"/>
-            </p:cNvPicPr>
-            <p:nvPr/>
-          </p:nvPicPr>
-          <p:blipFill rotWithShape="1">
-            <a:blip r:embed="rId3"/>
-            <a:srcRect b="87846"/>
-            <a:stretch/>
-          </p:blipFill>
-          <p:spPr>
-            <a:xfrm>
-              <a:off x="6008061" y="839078"/>
-              <a:ext cx="2189321" cy="833543"/>
-            </a:xfrm>
-            <a:prstGeom prst="rect">
-              <a:avLst/>
-            </a:prstGeom>
-          </p:spPr>
-        </p:pic>
-        <p:pic>
-          <p:nvPicPr>
-            <p:cNvPr id="7" name="Picture 6">
-              <a:extLst>
-                <a:ext uri="{FF2B5EF4-FFF2-40B4-BE49-F238E27FC236}">
-                  <a16:creationId xmlns:a16="http://schemas.microsoft.com/office/drawing/2014/main" id="{3D222B20-7718-8745-A9DB-FFC6ABBEB187}"/>
-                </a:ext>
-              </a:extLst>
-            </p:cNvPr>
-            <p:cNvPicPr>
-              <a:picLocks noChangeAspect="1"/>
-            </p:cNvPicPr>
-            <p:nvPr/>
-          </p:nvPicPr>
-          <p:blipFill rotWithShape="1">
-            <a:blip r:embed="rId3"/>
-            <a:srcRect t="89098"/>
-            <a:stretch/>
-          </p:blipFill>
-          <p:spPr>
-            <a:xfrm>
-              <a:off x="6008061" y="1672621"/>
-              <a:ext cx="2189321" cy="747682"/>
-            </a:xfrm>
-            <a:prstGeom prst="rect">
-              <a:avLst/>
-            </a:prstGeom>
-          </p:spPr>
-        </p:pic>
-        <p:pic>
-          <p:nvPicPr>
-            <p:cNvPr id="9" name="Picture 8">
-              <a:extLst>
-                <a:ext uri="{FF2B5EF4-FFF2-40B4-BE49-F238E27FC236}">
-                  <a16:creationId xmlns:a16="http://schemas.microsoft.com/office/drawing/2014/main" id="{7124B1F1-00B7-A546-B1C7-232090E5EB06}"/>
-                </a:ext>
-              </a:extLst>
-            </p:cNvPr>
-            <p:cNvPicPr>
-              <a:picLocks noChangeAspect="1"/>
-            </p:cNvPicPr>
-            <p:nvPr/>
-          </p:nvPicPr>
-          <p:blipFill rotWithShape="1">
-            <a:blip r:embed="rId2"/>
-            <a:srcRect t="3783" b="63690"/>
-            <a:stretch/>
-          </p:blipFill>
-          <p:spPr>
-            <a:xfrm>
-              <a:off x="0" y="504052"/>
-              <a:ext cx="3192405" cy="1916250"/>
-            </a:xfrm>
-            <a:prstGeom prst="rect">
-              <a:avLst/>
-            </a:prstGeom>
-          </p:spPr>
-        </p:pic>
-        <p:sp>
-          <p:nvSpPr>
-            <p:cNvPr id="4" name="TextBox 3">
-              <a:extLst>
-                <a:ext uri="{FF2B5EF4-FFF2-40B4-BE49-F238E27FC236}">
-                  <a16:creationId xmlns:a16="http://schemas.microsoft.com/office/drawing/2014/main" id="{4BE17556-3430-6741-88CF-859F79A7C15F}"/>
-                </a:ext>
-              </a:extLst>
-            </p:cNvPr>
-            <p:cNvSpPr txBox="1"/>
-            <p:nvPr/>
-          </p:nvSpPr>
-          <p:spPr>
-            <a:xfrm>
-              <a:off x="31570" y="196275"/>
-              <a:ext cx="3160835" cy="307777"/>
-            </a:xfrm>
-            <a:prstGeom prst="rect">
-              <a:avLst/>
-            </a:prstGeom>
-            <a:noFill/>
-          </p:spPr>
-          <p:txBody>
-            <a:bodyPr wrap="square" rtlCol="0">
-              <a:spAutoFit/>
-            </a:bodyPr>
-            <a:lstStyle/>
-            <a:p>
-              <a:pPr algn="ctr"/>
-              <a:r>
-                <a:rPr lang="en-US" sz="1400" dirty="0"/>
-                <a:t>1. Follow the link (discord.gg/zmAAx2W) </a:t>
-              </a:r>
-            </a:p>
-          </p:txBody>
-        </p:sp>
-        <p:sp>
-          <p:nvSpPr>
-            <p:cNvPr id="13" name="TextBox 12">
-              <a:extLst>
-                <a:ext uri="{FF2B5EF4-FFF2-40B4-BE49-F238E27FC236}">
-                  <a16:creationId xmlns:a16="http://schemas.microsoft.com/office/drawing/2014/main" id="{8D2B86B7-25DB-2A49-8B6C-6EAF0B66798E}"/>
-                </a:ext>
-              </a:extLst>
-            </p:cNvPr>
-            <p:cNvSpPr txBox="1"/>
-            <p:nvPr/>
-          </p:nvSpPr>
-          <p:spPr>
-            <a:xfrm>
-              <a:off x="3310629" y="196275"/>
-              <a:ext cx="2547911" cy="307777"/>
-            </a:xfrm>
-            <a:prstGeom prst="rect">
-              <a:avLst/>
-            </a:prstGeom>
-            <a:noFill/>
-          </p:spPr>
-          <p:txBody>
-            <a:bodyPr wrap="square" rtlCol="0">
-              <a:spAutoFit/>
-            </a:bodyPr>
-            <a:lstStyle/>
-            <a:p>
-              <a:pPr algn="ctr"/>
-              <a:r>
-                <a:rPr lang="en-US" sz="1400" dirty="0"/>
-                <a:t>2. Skip setup (optional)</a:t>
-              </a:r>
-            </a:p>
-          </p:txBody>
-        </p:sp>
-        <p:sp>
-          <p:nvSpPr>
-            <p:cNvPr id="14" name="TextBox 13">
-              <a:extLst>
-                <a:ext uri="{FF2B5EF4-FFF2-40B4-BE49-F238E27FC236}">
-                  <a16:creationId xmlns:a16="http://schemas.microsoft.com/office/drawing/2014/main" id="{573F5BE3-9DA5-3B4A-90B9-B7D316C17BAB}"/>
-                </a:ext>
-              </a:extLst>
-            </p:cNvPr>
-            <p:cNvSpPr txBox="1"/>
-            <p:nvPr/>
-          </p:nvSpPr>
-          <p:spPr>
-            <a:xfrm>
-              <a:off x="5799477" y="183381"/>
-              <a:ext cx="2689372" cy="523220"/>
-            </a:xfrm>
-            <a:prstGeom prst="rect">
-              <a:avLst/>
-            </a:prstGeom>
-            <a:noFill/>
-          </p:spPr>
-          <p:txBody>
-            <a:bodyPr wrap="square" rtlCol="0">
-              <a:spAutoFit/>
-            </a:bodyPr>
-            <a:lstStyle/>
-            <a:p>
-              <a:pPr algn="ctr"/>
-              <a:r>
-                <a:rPr lang="en-US" sz="1400" dirty="0"/>
-                <a:t>3. Click “Presentation” to hear speaker. Mute mic if not speaking.</a:t>
-              </a:r>
-            </a:p>
-          </p:txBody>
-        </p:sp>
-        <p:cxnSp>
-          <p:nvCxnSpPr>
-            <p:cNvPr id="10" name="Straight Arrow Connector 9"/>
-            <p:cNvCxnSpPr>
-              <a:cxnSpLocks/>
-            </p:cNvCxnSpPr>
-            <p:nvPr/>
-          </p:nvCxnSpPr>
-          <p:spPr>
-            <a:xfrm flipH="1">
-              <a:off x="7144163" y="954846"/>
-              <a:ext cx="358512" cy="460057"/>
-            </a:xfrm>
-            <a:prstGeom prst="straightConnector1">
-              <a:avLst/>
-            </a:prstGeom>
-            <a:ln w="57150">
-              <a:solidFill>
-                <a:srgbClr val="FF0000"/>
-              </a:solidFill>
-              <a:tailEnd type="triangle"/>
-            </a:ln>
-          </p:spPr>
-          <p:style>
-            <a:lnRef idx="1">
-              <a:schemeClr val="accent1"/>
-            </a:lnRef>
-            <a:fillRef idx="0">
-              <a:schemeClr val="accent1"/>
-            </a:fillRef>
-            <a:effectRef idx="0">
-              <a:schemeClr val="accent1"/>
-            </a:effectRef>
-            <a:fontRef idx="minor">
-              <a:schemeClr val="tx1"/>
-            </a:fontRef>
-          </p:style>
-        </p:cxnSp>
-        <p:cxnSp>
-          <p:nvCxnSpPr>
-            <p:cNvPr id="11" name="Straight Arrow Connector 10"/>
-            <p:cNvCxnSpPr>
-              <a:cxnSpLocks/>
-            </p:cNvCxnSpPr>
-            <p:nvPr/>
-          </p:nvCxnSpPr>
-          <p:spPr>
-            <a:xfrm flipH="1">
-              <a:off x="7401885" y="964319"/>
-              <a:ext cx="100790" cy="1082143"/>
-            </a:xfrm>
-            <a:prstGeom prst="straightConnector1">
-              <a:avLst/>
-            </a:prstGeom>
-            <a:ln w="57150">
-              <a:solidFill>
-                <a:srgbClr val="FF0000"/>
-              </a:solidFill>
-              <a:tailEnd type="triangle"/>
-            </a:ln>
-          </p:spPr>
-          <p:style>
-            <a:lnRef idx="1">
-              <a:schemeClr val="accent1"/>
-            </a:lnRef>
-            <a:fillRef idx="0">
-              <a:schemeClr val="accent1"/>
-            </a:fillRef>
-            <a:effectRef idx="0">
-              <a:schemeClr val="accent1"/>
-            </a:effectRef>
-            <a:fontRef idx="minor">
-              <a:schemeClr val="tx1"/>
-            </a:fontRef>
-          </p:style>
-        </p:cxnSp>
-        <p:cxnSp>
-          <p:nvCxnSpPr>
-            <p:cNvPr id="17" name="Straight Arrow Connector 16">
-              <a:extLst>
-                <a:ext uri="{FF2B5EF4-FFF2-40B4-BE49-F238E27FC236}">
-                  <a16:creationId xmlns:a16="http://schemas.microsoft.com/office/drawing/2014/main" id="{1026AB75-20DA-2049-B382-6AD03E7542FD}"/>
-                </a:ext>
-              </a:extLst>
-            </p:cNvPr>
-            <p:cNvCxnSpPr>
-              <a:cxnSpLocks/>
-            </p:cNvCxnSpPr>
-            <p:nvPr/>
-          </p:nvCxnSpPr>
-          <p:spPr>
-            <a:xfrm>
-              <a:off x="7340616" y="2115795"/>
-              <a:ext cx="108315" cy="114238"/>
-            </a:xfrm>
-            <a:prstGeom prst="straightConnector1">
-              <a:avLst/>
-            </a:prstGeom>
-            <a:ln w="19050">
-              <a:solidFill>
-                <a:srgbClr val="FF0000"/>
-              </a:solidFill>
-              <a:headEnd type="none" w="med" len="med"/>
-              <a:tailEnd type="none" w="med" len="med"/>
-            </a:ln>
-          </p:spPr>
-          <p:style>
-            <a:lnRef idx="1">
-              <a:schemeClr val="accent2"/>
-            </a:lnRef>
-            <a:fillRef idx="0">
-              <a:schemeClr val="accent2"/>
-            </a:fillRef>
-            <a:effectRef idx="0">
-              <a:schemeClr val="accent2"/>
-            </a:effectRef>
-            <a:fontRef idx="minor">
-              <a:schemeClr val="tx1"/>
-            </a:fontRef>
-          </p:style>
-        </p:cxnSp>
-      </p:grpSp>
+          <a:prstGeom prst="rect">
+            <a:avLst/>
+          </a:prstGeom>
+        </p:spPr>
+      </p:pic>
+      <p:pic>
+        <p:nvPicPr>
+          <p:cNvPr id="7" name="Picture 6">
+            <a:extLst>
+              <a:ext uri="{FF2B5EF4-FFF2-40B4-BE49-F238E27FC236}">
+                <a16:creationId xmlns:a16="http://schemas.microsoft.com/office/drawing/2014/main" id="{3D222B20-7718-8745-A9DB-FFC6ABBEB187}"/>
+              </a:ext>
+            </a:extLst>
+          </p:cNvPr>
+          <p:cNvPicPr>
+            <a:picLocks noChangeAspect="1"/>
+          </p:cNvPicPr>
+          <p:nvPr/>
+        </p:nvPicPr>
+        <p:blipFill rotWithShape="1">
+          <a:blip r:embed="rId3"/>
+          <a:srcRect t="89098"/>
+          <a:stretch/>
+        </p:blipFill>
+        <p:spPr>
+          <a:xfrm>
+            <a:off x="6630467" y="2671546"/>
+            <a:ext cx="2189321" cy="747682"/>
+          </a:xfrm>
+          <a:prstGeom prst="rect">
+            <a:avLst/>
+          </a:prstGeom>
+        </p:spPr>
+      </p:pic>
+      <p:pic>
+        <p:nvPicPr>
+          <p:cNvPr id="9" name="Picture 8">
+            <a:extLst>
+              <a:ext uri="{FF2B5EF4-FFF2-40B4-BE49-F238E27FC236}">
+                <a16:creationId xmlns:a16="http://schemas.microsoft.com/office/drawing/2014/main" id="{7124B1F1-00B7-A546-B1C7-232090E5EB06}"/>
+              </a:ext>
+            </a:extLst>
+          </p:cNvPr>
+          <p:cNvPicPr>
+            <a:picLocks noChangeAspect="1"/>
+          </p:cNvPicPr>
+          <p:nvPr/>
+        </p:nvPicPr>
+        <p:blipFill rotWithShape="1">
+          <a:blip r:embed="rId2"/>
+          <a:srcRect t="3783" b="63690"/>
+          <a:stretch/>
+        </p:blipFill>
+        <p:spPr>
+          <a:xfrm>
+            <a:off x="622406" y="1502977"/>
+            <a:ext cx="3192405" cy="1916250"/>
+          </a:xfrm>
+          <a:prstGeom prst="rect">
+            <a:avLst/>
+          </a:prstGeom>
+        </p:spPr>
+      </p:pic>
+      <p:sp>
+        <p:nvSpPr>
+          <p:cNvPr id="4" name="TextBox 3">
+            <a:extLst>
+              <a:ext uri="{FF2B5EF4-FFF2-40B4-BE49-F238E27FC236}">
+                <a16:creationId xmlns:a16="http://schemas.microsoft.com/office/drawing/2014/main" id="{4BE17556-3430-6741-88CF-859F79A7C15F}"/>
+              </a:ext>
+            </a:extLst>
+          </p:cNvPr>
+          <p:cNvSpPr txBox="1"/>
+          <p:nvPr/>
+        </p:nvSpPr>
+        <p:spPr>
+          <a:xfrm>
+            <a:off x="653976" y="1195200"/>
+            <a:ext cx="3160835" cy="307777"/>
+          </a:xfrm>
+          <a:prstGeom prst="rect">
+            <a:avLst/>
+          </a:prstGeom>
+          <a:noFill/>
+        </p:spPr>
+        <p:txBody>
+          <a:bodyPr wrap="square" rtlCol="0">
+            <a:spAutoFit/>
+          </a:bodyPr>
+          <a:lstStyle/>
+          <a:p>
+            <a:pPr algn="ctr"/>
+            <a:r>
+              <a:rPr lang="en-US" sz="1400" dirty="0"/>
+              <a:t>1. Follow the link (discord.gg/zmAAx2W) </a:t>
+            </a:r>
+          </a:p>
+        </p:txBody>
+      </p:sp>
+      <p:sp>
+        <p:nvSpPr>
+          <p:cNvPr id="13" name="TextBox 12">
+            <a:extLst>
+              <a:ext uri="{FF2B5EF4-FFF2-40B4-BE49-F238E27FC236}">
+                <a16:creationId xmlns:a16="http://schemas.microsoft.com/office/drawing/2014/main" id="{8D2B86B7-25DB-2A49-8B6C-6EAF0B66798E}"/>
+              </a:ext>
+            </a:extLst>
+          </p:cNvPr>
+          <p:cNvSpPr txBox="1"/>
+          <p:nvPr/>
+        </p:nvSpPr>
+        <p:spPr>
+          <a:xfrm>
+            <a:off x="3933035" y="1195200"/>
+            <a:ext cx="2547911" cy="307777"/>
+          </a:xfrm>
+          <a:prstGeom prst="rect">
+            <a:avLst/>
+          </a:prstGeom>
+          <a:noFill/>
+        </p:spPr>
+        <p:txBody>
+          <a:bodyPr wrap="square" rtlCol="0">
+            <a:spAutoFit/>
+          </a:bodyPr>
+          <a:lstStyle/>
+          <a:p>
+            <a:pPr algn="ctr"/>
+            <a:r>
+              <a:rPr lang="en-US" sz="1400" dirty="0"/>
+              <a:t>2. Skip setup (optional)</a:t>
+            </a:r>
+          </a:p>
+        </p:txBody>
+      </p:sp>
+      <p:sp>
+        <p:nvSpPr>
+          <p:cNvPr id="14" name="TextBox 13">
+            <a:extLst>
+              <a:ext uri="{FF2B5EF4-FFF2-40B4-BE49-F238E27FC236}">
+                <a16:creationId xmlns:a16="http://schemas.microsoft.com/office/drawing/2014/main" id="{573F5BE3-9DA5-3B4A-90B9-B7D316C17BAB}"/>
+              </a:ext>
+            </a:extLst>
+          </p:cNvPr>
+          <p:cNvSpPr txBox="1"/>
+          <p:nvPr/>
+        </p:nvSpPr>
+        <p:spPr>
+          <a:xfrm>
+            <a:off x="6421883" y="1182306"/>
+            <a:ext cx="2689372" cy="523220"/>
+          </a:xfrm>
+          <a:prstGeom prst="rect">
+            <a:avLst/>
+          </a:prstGeom>
+          <a:noFill/>
+        </p:spPr>
+        <p:txBody>
+          <a:bodyPr wrap="square" rtlCol="0">
+            <a:spAutoFit/>
+          </a:bodyPr>
+          <a:lstStyle/>
+          <a:p>
+            <a:pPr algn="ctr"/>
+            <a:r>
+              <a:rPr lang="en-US" sz="1400" dirty="0"/>
+              <a:t>3. Click “Presentation” to hear speaker. Mute mic if not speaking.</a:t>
+            </a:r>
+          </a:p>
+        </p:txBody>
+      </p:sp>
+      <p:cxnSp>
+        <p:nvCxnSpPr>
+          <p:cNvPr id="10" name="Straight Arrow Connector 9"/>
+          <p:cNvCxnSpPr>
+            <a:cxnSpLocks/>
+          </p:cNvCxnSpPr>
+          <p:nvPr/>
+        </p:nvCxnSpPr>
+        <p:spPr>
+          <a:xfrm flipH="1">
+            <a:off x="7766569" y="1774859"/>
+            <a:ext cx="421224" cy="638969"/>
+          </a:xfrm>
+          <a:prstGeom prst="straightConnector1">
+            <a:avLst/>
+          </a:prstGeom>
+          <a:ln w="38100">
+            <a:solidFill>
+              <a:srgbClr val="FF0000"/>
+            </a:solidFill>
+            <a:tailEnd type="triangle"/>
+          </a:ln>
+        </p:spPr>
+        <p:style>
+          <a:lnRef idx="1">
+            <a:schemeClr val="accent1"/>
+          </a:lnRef>
+          <a:fillRef idx="0">
+            <a:schemeClr val="accent1"/>
+          </a:fillRef>
+          <a:effectRef idx="0">
+            <a:schemeClr val="accent1"/>
+          </a:effectRef>
+          <a:fontRef idx="minor">
+            <a:schemeClr val="tx1"/>
+          </a:fontRef>
+        </p:style>
+      </p:cxnSp>
+      <p:cxnSp>
+        <p:nvCxnSpPr>
+          <p:cNvPr id="11" name="Straight Arrow Connector 10"/>
+          <p:cNvCxnSpPr>
+            <a:cxnSpLocks/>
+          </p:cNvCxnSpPr>
+          <p:nvPr/>
+        </p:nvCxnSpPr>
+        <p:spPr>
+          <a:xfrm flipH="1">
+            <a:off x="8024291" y="1763501"/>
+            <a:ext cx="163502" cy="1281886"/>
+          </a:xfrm>
+          <a:prstGeom prst="straightConnector1">
+            <a:avLst/>
+          </a:prstGeom>
+          <a:ln w="38100">
+            <a:solidFill>
+              <a:srgbClr val="FF0000"/>
+            </a:solidFill>
+            <a:tailEnd type="triangle"/>
+          </a:ln>
+        </p:spPr>
+        <p:style>
+          <a:lnRef idx="1">
+            <a:schemeClr val="accent1"/>
+          </a:lnRef>
+          <a:fillRef idx="0">
+            <a:schemeClr val="accent1"/>
+          </a:fillRef>
+          <a:effectRef idx="0">
+            <a:schemeClr val="accent1"/>
+          </a:effectRef>
+          <a:fontRef idx="minor">
+            <a:schemeClr val="tx1"/>
+          </a:fontRef>
+        </p:style>
+      </p:cxnSp>
+      <p:cxnSp>
+        <p:nvCxnSpPr>
+          <p:cNvPr id="17" name="Straight Arrow Connector 16">
+            <a:extLst>
+              <a:ext uri="{FF2B5EF4-FFF2-40B4-BE49-F238E27FC236}">
+                <a16:creationId xmlns:a16="http://schemas.microsoft.com/office/drawing/2014/main" id="{1026AB75-20DA-2049-B382-6AD03E7542FD}"/>
+              </a:ext>
+            </a:extLst>
+          </p:cNvPr>
+          <p:cNvCxnSpPr>
+            <a:cxnSpLocks/>
+          </p:cNvCxnSpPr>
+          <p:nvPr/>
+        </p:nvCxnSpPr>
+        <p:spPr>
+          <a:xfrm>
+            <a:off x="7963022" y="3114720"/>
+            <a:ext cx="108315" cy="114238"/>
+          </a:xfrm>
+          <a:prstGeom prst="straightConnector1">
+            <a:avLst/>
+          </a:prstGeom>
+          <a:ln w="19050">
+            <a:solidFill>
+              <a:srgbClr val="FF0000"/>
+            </a:solidFill>
+            <a:headEnd type="none" w="med" len="med"/>
+            <a:tailEnd type="none" w="med" len="med"/>
+          </a:ln>
+        </p:spPr>
+        <p:style>
+          <a:lnRef idx="1">
+            <a:schemeClr val="accent2"/>
+          </a:lnRef>
+          <a:fillRef idx="0">
+            <a:schemeClr val="accent2"/>
+          </a:fillRef>
+          <a:effectRef idx="0">
+            <a:schemeClr val="accent2"/>
+          </a:effectRef>
+          <a:fontRef idx="minor">
+            <a:schemeClr val="tx1"/>
+          </a:fontRef>
+        </p:style>
+      </p:cxnSp>
+      <p:cxnSp>
+        <p:nvCxnSpPr>
+          <p:cNvPr id="22" name="Straight Arrow Connector 21">
+            <a:extLst>
+              <a:ext uri="{FF2B5EF4-FFF2-40B4-BE49-F238E27FC236}">
+                <a16:creationId xmlns:a16="http://schemas.microsoft.com/office/drawing/2014/main" id="{5C8310E9-D8BE-F34B-9F13-27390B08CFAD}"/>
+              </a:ext>
+            </a:extLst>
+          </p:cNvPr>
+          <p:cNvCxnSpPr>
+            <a:cxnSpLocks/>
+          </p:cNvCxnSpPr>
+          <p:nvPr/>
+        </p:nvCxnSpPr>
+        <p:spPr>
+          <a:xfrm>
+            <a:off x="4406505" y="2254774"/>
+            <a:ext cx="0" cy="1007985"/>
+          </a:xfrm>
+          <a:prstGeom prst="straightConnector1">
+            <a:avLst/>
+          </a:prstGeom>
+          <a:ln w="38100">
+            <a:solidFill>
+              <a:srgbClr val="FF0000"/>
+            </a:solidFill>
+            <a:tailEnd type="triangle"/>
+          </a:ln>
+        </p:spPr>
+        <p:style>
+          <a:lnRef idx="1">
+            <a:schemeClr val="accent1"/>
+          </a:lnRef>
+          <a:fillRef idx="0">
+            <a:schemeClr val="accent1"/>
+          </a:fillRef>
+          <a:effectRef idx="0">
+            <a:schemeClr val="accent1"/>
+          </a:effectRef>
+          <a:fontRef idx="minor">
+            <a:schemeClr val="tx1"/>
+          </a:fontRef>
+        </p:style>
+      </p:cxnSp>
     </p:spTree>
     <p:extLst>
       <p:ext uri="{BB962C8B-B14F-4D97-AF65-F5344CB8AC3E}">
